--- a/docs/experiments_data.pptx
+++ b/docs/experiments_data.pptx
@@ -289,7 +289,7 @@
           <a:p>
             <a:fld id="{976EFED4-7581-4BB2-A08C-02496B9D60C4}" type="datetimeFigureOut">
               <a:rPr lang="en-GB" smtClean="0"/>
-              <a:t>01/02/2024</a:t>
+              <a:t>06/02/2024</a:t>
             </a:fld>
             <a:endParaRPr lang="en-GB"/>
           </a:p>
@@ -459,7 +459,7 @@
           <a:p>
             <a:fld id="{976EFED4-7581-4BB2-A08C-02496B9D60C4}" type="datetimeFigureOut">
               <a:rPr lang="en-GB" smtClean="0"/>
-              <a:t>01/02/2024</a:t>
+              <a:t>06/02/2024</a:t>
             </a:fld>
             <a:endParaRPr lang="en-GB"/>
           </a:p>
@@ -639,7 +639,7 @@
           <a:p>
             <a:fld id="{976EFED4-7581-4BB2-A08C-02496B9D60C4}" type="datetimeFigureOut">
               <a:rPr lang="en-GB" smtClean="0"/>
-              <a:t>01/02/2024</a:t>
+              <a:t>06/02/2024</a:t>
             </a:fld>
             <a:endParaRPr lang="en-GB"/>
           </a:p>
@@ -809,7 +809,7 @@
           <a:p>
             <a:fld id="{976EFED4-7581-4BB2-A08C-02496B9D60C4}" type="datetimeFigureOut">
               <a:rPr lang="en-GB" smtClean="0"/>
-              <a:t>01/02/2024</a:t>
+              <a:t>06/02/2024</a:t>
             </a:fld>
             <a:endParaRPr lang="en-GB"/>
           </a:p>
@@ -1055,7 +1055,7 @@
           <a:p>
             <a:fld id="{976EFED4-7581-4BB2-A08C-02496B9D60C4}" type="datetimeFigureOut">
               <a:rPr lang="en-GB" smtClean="0"/>
-              <a:t>01/02/2024</a:t>
+              <a:t>06/02/2024</a:t>
             </a:fld>
             <a:endParaRPr lang="en-GB"/>
           </a:p>
@@ -1287,7 +1287,7 @@
           <a:p>
             <a:fld id="{976EFED4-7581-4BB2-A08C-02496B9D60C4}" type="datetimeFigureOut">
               <a:rPr lang="en-GB" smtClean="0"/>
-              <a:t>01/02/2024</a:t>
+              <a:t>06/02/2024</a:t>
             </a:fld>
             <a:endParaRPr lang="en-GB"/>
           </a:p>
@@ -1654,7 +1654,7 @@
           <a:p>
             <a:fld id="{976EFED4-7581-4BB2-A08C-02496B9D60C4}" type="datetimeFigureOut">
               <a:rPr lang="en-GB" smtClean="0"/>
-              <a:t>01/02/2024</a:t>
+              <a:t>06/02/2024</a:t>
             </a:fld>
             <a:endParaRPr lang="en-GB"/>
           </a:p>
@@ -1772,7 +1772,7 @@
           <a:p>
             <a:fld id="{976EFED4-7581-4BB2-A08C-02496B9D60C4}" type="datetimeFigureOut">
               <a:rPr lang="en-GB" smtClean="0"/>
-              <a:t>01/02/2024</a:t>
+              <a:t>06/02/2024</a:t>
             </a:fld>
             <a:endParaRPr lang="en-GB"/>
           </a:p>
@@ -1867,7 +1867,7 @@
           <a:p>
             <a:fld id="{976EFED4-7581-4BB2-A08C-02496B9D60C4}" type="datetimeFigureOut">
               <a:rPr lang="en-GB" smtClean="0"/>
-              <a:t>01/02/2024</a:t>
+              <a:t>06/02/2024</a:t>
             </a:fld>
             <a:endParaRPr lang="en-GB"/>
           </a:p>
@@ -2144,7 +2144,7 @@
           <a:p>
             <a:fld id="{976EFED4-7581-4BB2-A08C-02496B9D60C4}" type="datetimeFigureOut">
               <a:rPr lang="en-GB" smtClean="0"/>
-              <a:t>01/02/2024</a:t>
+              <a:t>06/02/2024</a:t>
             </a:fld>
             <a:endParaRPr lang="en-GB"/>
           </a:p>
@@ -2397,7 +2397,7 @@
           <a:p>
             <a:fld id="{976EFED4-7581-4BB2-A08C-02496B9D60C4}" type="datetimeFigureOut">
               <a:rPr lang="en-GB" smtClean="0"/>
-              <a:t>01/02/2024</a:t>
+              <a:t>06/02/2024</a:t>
             </a:fld>
             <a:endParaRPr lang="en-GB"/>
           </a:p>
@@ -2616,7 +2616,7 @@
           <a:p>
             <a:fld id="{976EFED4-7581-4BB2-A08C-02496B9D60C4}" type="datetimeFigureOut">
               <a:rPr lang="en-GB" smtClean="0"/>
-              <a:t>01/02/2024</a:t>
+              <a:t>06/02/2024</a:t>
             </a:fld>
             <a:endParaRPr lang="en-GB"/>
           </a:p>
@@ -11546,7 +11546,7 @@
             </a:r>
             <a:r>
               <a:rPr lang="en-GB" dirty="0"/>
-              <a:t> the volume of a stone? </a:t>
+              <a:t> the volume of water? </a:t>
             </a:r>
           </a:p>
         </p:txBody>
@@ -13010,7 +13010,7 @@
           <a:p>
             <a:r>
               <a:rPr lang="en-GB" dirty="0"/>
-              <a:t>We don’t test all the stones in the world, just a sample. </a:t>
+              <a:t>We don’t test all the water in the world, just a sample. </a:t>
             </a:r>
           </a:p>
         </p:txBody>
@@ -13101,7 +13101,7 @@
         <p:spPr>
           <a:xfrm>
             <a:off x="8278986" y="5556028"/>
-            <a:ext cx="3276600" cy="1200329"/>
+            <a:ext cx="3276600" cy="923330"/>
           </a:xfrm>
           <a:prstGeom prst="rect">
             <a:avLst/>
@@ -13121,7 +13121,7 @@
           <a:p>
             <a:r>
               <a:rPr lang="en-GB" dirty="0"/>
-              <a:t>We can (statistically) test the relationship between our manipulation and the outcome(s). </a:t>
+              <a:t>We observe the relationship between our manipulation and the outcome(s). </a:t>
             </a:r>
           </a:p>
         </p:txBody>
@@ -14539,12 +14539,6 @@
 </file>
 
 <file path=customXml/item1.xml><?xml version="1.0" encoding="utf-8"?>
-<p:properties xmlns:p="http://schemas.microsoft.com/office/2006/metadata/properties" xmlns:xsi="http://www.w3.org/2001/XMLSchema-instance" xmlns:pc="http://schemas.microsoft.com/office/infopath/2007/PartnerControls">
-  <documentManagement/>
-</p:properties>
-</file>
-
-<file path=customXml/item2.xml><?xml version="1.0" encoding="utf-8"?>
 <?mso-contentType ?>
 <FormTemplates xmlns="http://schemas.microsoft.com/sharepoint/v3/contenttype/forms">
   <Display>DocumentLibraryForm</Display>
@@ -14553,7 +14547,7 @@
 </FormTemplates>
 </file>
 
-<file path=customXml/item3.xml><?xml version="1.0" encoding="utf-8"?>
+<file path=customXml/item2.xml><?xml version="1.0" encoding="utf-8"?>
 <ct:contentTypeSchema xmlns:ct="http://schemas.microsoft.com/office/2006/metadata/contentType" xmlns:ma="http://schemas.microsoft.com/office/2006/metadata/properties/metaAttributes" ct:_="" ma:_="" ma:contentTypeName="Document" ma:contentTypeID="0x010100CDC7DA200EEB3445AF1982F3D7270397" ma:contentTypeVersion="14" ma:contentTypeDescription="Create a new document." ma:contentTypeScope="" ma:versionID="8ec0b2246017092d04bce6716d92dcc9">
   <xsd:schema xmlns:xsd="http://www.w3.org/2001/XMLSchema" xmlns:xs="http://www.w3.org/2001/XMLSchema" xmlns:p="http://schemas.microsoft.com/office/2006/metadata/properties" xmlns:ns3="21c8a05f-379f-4a3f-aa4a-81ea9db359bc" xmlns:ns4="0322879f-8624-447d-a89c-1c2bd66f8e04" targetNamespace="http://schemas.microsoft.com/office/2006/metadata/properties" ma:root="true" ma:fieldsID="aa4f8e6e825201c9e1a4f40d409a5ff0" ns3:_="" ns4:_="">
     <xsd:import namespace="21c8a05f-379f-4a3f-aa4a-81ea9db359bc"/>
@@ -14782,24 +14776,13 @@
 </ct:contentTypeSchema>
 </file>
 
-<file path=customXml/itemProps1.xml><?xml version="1.0" encoding="utf-8"?>
-<ds:datastoreItem xmlns:ds="http://schemas.openxmlformats.org/officeDocument/2006/customXml" ds:itemID="{FA604262-3598-4B6E-BE70-5ABE64C66F04}">
-  <ds:schemaRefs>
-    <ds:schemaRef ds:uri="http://purl.org/dc/elements/1.1/"/>
-    <ds:schemaRef ds:uri="http://schemas.microsoft.com/office/2006/metadata/properties"/>
-    <ds:schemaRef ds:uri="http://purl.org/dc/terms/"/>
-    <ds:schemaRef ds:uri="http://schemas.openxmlformats.org/package/2006/metadata/core-properties"/>
-    <ds:schemaRef ds:uri="http://schemas.microsoft.com/office/infopath/2007/PartnerControls"/>
-    <ds:schemaRef ds:uri="http://schemas.microsoft.com/office/2006/documentManagement/types"/>
-    <ds:schemaRef ds:uri="0322879f-8624-447d-a89c-1c2bd66f8e04"/>
-    <ds:schemaRef ds:uri="21c8a05f-379f-4a3f-aa4a-81ea9db359bc"/>
-    <ds:schemaRef ds:uri="http://www.w3.org/XML/1998/namespace"/>
-    <ds:schemaRef ds:uri="http://purl.org/dc/dcmitype/"/>
-  </ds:schemaRefs>
-</ds:datastoreItem>
+<file path=customXml/item3.xml><?xml version="1.0" encoding="utf-8"?>
+<p:properties xmlns:p="http://schemas.microsoft.com/office/2006/metadata/properties" xmlns:xsi="http://www.w3.org/2001/XMLSchema-instance" xmlns:pc="http://schemas.microsoft.com/office/infopath/2007/PartnerControls">
+  <documentManagement/>
+</p:properties>
 </file>
 
-<file path=customXml/itemProps2.xml><?xml version="1.0" encoding="utf-8"?>
+<file path=customXml/itemProps1.xml><?xml version="1.0" encoding="utf-8"?>
 <ds:datastoreItem xmlns:ds="http://schemas.openxmlformats.org/officeDocument/2006/customXml" ds:itemID="{25707140-32BC-4922-BA3F-442388EDEA6D}">
   <ds:schemaRefs>
     <ds:schemaRef ds:uri="http://schemas.microsoft.com/sharepoint/v3/contenttype/forms"/>
@@ -14807,7 +14790,7 @@
 </ds:datastoreItem>
 </file>
 
-<file path=customXml/itemProps3.xml><?xml version="1.0" encoding="utf-8"?>
+<file path=customXml/itemProps2.xml><?xml version="1.0" encoding="utf-8"?>
 <ds:datastoreItem xmlns:ds="http://schemas.openxmlformats.org/officeDocument/2006/customXml" ds:itemID="{5454E156-72DC-4284-94E2-88CD5B08FDEA}">
   <ds:schemaRefs>
     <ds:schemaRef ds:uri="http://schemas.microsoft.com/office/2006/metadata/contentType"/>
@@ -14824,4 +14807,21 @@
     <ds:schemaRef ds:uri="http://schemas.microsoft.com/internal/obd"/>
   </ds:schemaRefs>
 </ds:datastoreItem>
+</file>
+
+<file path=customXml/itemProps3.xml><?xml version="1.0" encoding="utf-8"?>
+<ds:datastoreItem xmlns:ds="http://schemas.openxmlformats.org/officeDocument/2006/customXml" ds:itemID="{FA604262-3598-4B6E-BE70-5ABE64C66F04}">
+  <ds:schemaRefs>
+    <ds:schemaRef ds:uri="http://purl.org/dc/elements/1.1/"/>
+    <ds:schemaRef ds:uri="http://schemas.microsoft.com/office/2006/metadata/properties"/>
+    <ds:schemaRef ds:uri="http://purl.org/dc/terms/"/>
+    <ds:schemaRef ds:uri="http://schemas.openxmlformats.org/package/2006/metadata/core-properties"/>
+    <ds:schemaRef ds:uri="http://schemas.microsoft.com/office/infopath/2007/PartnerControls"/>
+    <ds:schemaRef ds:uri="http://schemas.microsoft.com/office/2006/documentManagement/types"/>
+    <ds:schemaRef ds:uri="0322879f-8624-447d-a89c-1c2bd66f8e04"/>
+    <ds:schemaRef ds:uri="21c8a05f-379f-4a3f-aa4a-81ea9db359bc"/>
+    <ds:schemaRef ds:uri="http://www.w3.org/XML/1998/namespace"/>
+    <ds:schemaRef ds:uri="http://purl.org/dc/dcmitype/"/>
+  </ds:schemaRefs>
+</ds:datastoreItem>
 </file>